--- a/sofa score demo day.pptx
+++ b/sofa score demo day.pptx
@@ -209,7 +209,7 @@
           <a:p>
             <a:fld id="{25E41A57-98D7-4792-982F-BDA1BF98F026}" type="datetimeFigureOut">
               <a:rPr lang="it-IT" smtClean="0"/>
-              <a:t>26/04/2020</a:t>
+              <a:t>25/03/2021</a:t>
             </a:fld>
             <a:endParaRPr lang="it-IT"/>
           </a:p>
@@ -520,278 +520,7 @@
           <a:bodyPr/>
           <a:lstStyle/>
           <a:p>
-            <a:r>
-              <a:rPr lang="it-IT" dirty="0" err="1"/>
-              <a:t>This</a:t>
-            </a:r>
-            <a:r>
-              <a:rPr lang="it-IT" dirty="0"/>
-              <a:t> page </a:t>
-            </a:r>
-            <a:r>
-              <a:rPr lang="it-IT" dirty="0" err="1"/>
-              <a:t>is</a:t>
-            </a:r>
-            <a:r>
-              <a:rPr lang="it-IT" dirty="0"/>
-              <a:t> the </a:t>
-            </a:r>
-            <a:r>
-              <a:rPr lang="it-IT" dirty="0" err="1"/>
-              <a:t>main</a:t>
-            </a:r>
-            <a:r>
-              <a:rPr lang="it-IT" dirty="0"/>
-              <a:t> page of the </a:t>
-            </a:r>
-            <a:r>
-              <a:rPr lang="it-IT" dirty="0" err="1"/>
-              <a:t>league</a:t>
-            </a:r>
-            <a:r>
-              <a:rPr lang="it-IT" dirty="0"/>
-              <a:t>, </a:t>
-            </a:r>
-            <a:r>
-              <a:rPr lang="it-IT" dirty="0" err="1"/>
-              <a:t>we</a:t>
-            </a:r>
-            <a:r>
-              <a:rPr lang="it-IT" dirty="0"/>
-              <a:t> </a:t>
-            </a:r>
-            <a:r>
-              <a:rPr lang="it-IT" dirty="0" err="1"/>
-              <a:t>have</a:t>
-            </a:r>
-            <a:r>
-              <a:rPr lang="it-IT" dirty="0"/>
-              <a:t> 4 of </a:t>
-            </a:r>
-            <a:r>
-              <a:rPr lang="it-IT" dirty="0" err="1"/>
-              <a:t>those</a:t>
-            </a:r>
-            <a:r>
-              <a:rPr lang="it-IT" dirty="0"/>
-              <a:t>, and from </a:t>
-            </a:r>
-            <a:r>
-              <a:rPr lang="it-IT" dirty="0" err="1"/>
-              <a:t>this</a:t>
-            </a:r>
-            <a:r>
-              <a:rPr lang="it-IT" dirty="0"/>
-              <a:t> kind of </a:t>
-            </a:r>
-            <a:r>
-              <a:rPr lang="it-IT" dirty="0" err="1"/>
-              <a:t>pages</a:t>
-            </a:r>
-            <a:r>
-              <a:rPr lang="it-IT" dirty="0"/>
-              <a:t> </a:t>
-            </a:r>
-            <a:r>
-              <a:rPr lang="it-IT" dirty="0" err="1"/>
-              <a:t>we</a:t>
-            </a:r>
-            <a:r>
-              <a:rPr lang="it-IT" dirty="0"/>
-              <a:t> </a:t>
-            </a:r>
-            <a:r>
-              <a:rPr lang="it-IT" dirty="0" err="1"/>
-              <a:t>scraped</a:t>
-            </a:r>
-            <a:r>
-              <a:rPr lang="it-IT" dirty="0"/>
-              <a:t> </a:t>
-            </a:r>
-            <a:r>
-              <a:rPr lang="it-IT" dirty="0" err="1"/>
-              <a:t>all</a:t>
-            </a:r>
-            <a:r>
-              <a:rPr lang="it-IT" dirty="0"/>
-              <a:t> the team </a:t>
-            </a:r>
-            <a:r>
-              <a:rPr lang="it-IT" dirty="0" err="1"/>
-              <a:t>belonging</a:t>
-            </a:r>
-            <a:r>
-              <a:rPr lang="it-IT" dirty="0"/>
-              <a:t> to the </a:t>
-            </a:r>
-            <a:r>
-              <a:rPr lang="it-IT" dirty="0" err="1"/>
-              <a:t>league</a:t>
-            </a:r>
-            <a:r>
-              <a:rPr lang="it-IT" dirty="0"/>
-              <a:t>.</a:t>
-            </a:r>
-          </a:p>
-          <a:p>
-            <a:r>
-              <a:rPr lang="it-IT" dirty="0" err="1"/>
-              <a:t>We</a:t>
-            </a:r>
-            <a:r>
-              <a:rPr lang="it-IT" dirty="0"/>
-              <a:t> </a:t>
-            </a:r>
-            <a:r>
-              <a:rPr lang="it-IT" dirty="0" err="1"/>
-              <a:t>used</a:t>
-            </a:r>
-            <a:r>
-              <a:rPr lang="it-IT" dirty="0"/>
-              <a:t> </a:t>
-            </a:r>
-            <a:r>
-              <a:rPr lang="it-IT" dirty="0" err="1"/>
-              <a:t>selenium</a:t>
-            </a:r>
-            <a:r>
-              <a:rPr lang="it-IT" dirty="0"/>
-              <a:t> for </a:t>
-            </a:r>
-            <a:r>
-              <a:rPr lang="it-IT" dirty="0" err="1"/>
-              <a:t>this</a:t>
-            </a:r>
-            <a:r>
-              <a:rPr lang="it-IT" dirty="0"/>
-              <a:t> kind of </a:t>
-            </a:r>
-            <a:r>
-              <a:rPr lang="it-IT" dirty="0" err="1"/>
-              <a:t>pages</a:t>
-            </a:r>
-            <a:r>
-              <a:rPr lang="it-IT" dirty="0"/>
-              <a:t> </a:t>
-            </a:r>
-            <a:r>
-              <a:rPr lang="it-IT" dirty="0" err="1"/>
-              <a:t>since</a:t>
-            </a:r>
-            <a:r>
-              <a:rPr lang="it-IT" dirty="0"/>
-              <a:t> the </a:t>
-            </a:r>
-            <a:r>
-              <a:rPr lang="it-IT" dirty="0" err="1"/>
-              <a:t>tables</a:t>
-            </a:r>
-            <a:r>
-              <a:rPr lang="it-IT" dirty="0"/>
-              <a:t> are </a:t>
-            </a:r>
-            <a:r>
-              <a:rPr lang="it-IT" dirty="0" err="1"/>
-              <a:t>loadad</a:t>
-            </a:r>
-            <a:r>
-              <a:rPr lang="it-IT" dirty="0"/>
-              <a:t> with </a:t>
-            </a:r>
-            <a:r>
-              <a:rPr lang="it-IT" dirty="0" err="1"/>
-              <a:t>javascript</a:t>
-            </a:r>
-            <a:r>
-              <a:rPr lang="it-IT" dirty="0"/>
-              <a:t> code </a:t>
-            </a:r>
-            <a:r>
-              <a:rPr lang="it-IT" dirty="0" err="1"/>
-              <a:t>which</a:t>
-            </a:r>
-            <a:r>
-              <a:rPr lang="it-IT" dirty="0"/>
-              <a:t> </a:t>
-            </a:r>
-            <a:r>
-              <a:rPr lang="it-IT" dirty="0" err="1"/>
-              <a:t>we</a:t>
-            </a:r>
-            <a:r>
-              <a:rPr lang="it-IT" dirty="0"/>
-              <a:t> </a:t>
-            </a:r>
-            <a:r>
-              <a:rPr lang="it-IT" dirty="0" err="1"/>
-              <a:t>werent</a:t>
-            </a:r>
-            <a:r>
-              <a:rPr lang="it-IT" dirty="0"/>
-              <a:t> </a:t>
-            </a:r>
-            <a:r>
-              <a:rPr lang="it-IT" dirty="0" err="1"/>
-              <a:t>able</a:t>
-            </a:r>
-            <a:r>
-              <a:rPr lang="it-IT" dirty="0"/>
-              <a:t> to </a:t>
-            </a:r>
-            <a:r>
-              <a:rPr lang="it-IT" dirty="0" err="1"/>
-              <a:t>reach</a:t>
-            </a:r>
-            <a:r>
-              <a:rPr lang="it-IT" dirty="0"/>
-              <a:t> </a:t>
-            </a:r>
-            <a:r>
-              <a:rPr lang="it-IT" dirty="0" err="1"/>
-              <a:t>using</a:t>
-            </a:r>
-            <a:r>
-              <a:rPr lang="it-IT" dirty="0"/>
-              <a:t> </a:t>
-            </a:r>
-            <a:r>
-              <a:rPr lang="it-IT" dirty="0" err="1"/>
-              <a:t>only</a:t>
-            </a:r>
-            <a:r>
-              <a:rPr lang="it-IT" dirty="0"/>
-              <a:t> bs4.</a:t>
-            </a:r>
-          </a:p>
-          <a:p>
-            <a:r>
-              <a:rPr lang="it-IT" dirty="0"/>
-              <a:t>The </a:t>
-            </a:r>
-            <a:r>
-              <a:rPr lang="it-IT" dirty="0" err="1"/>
-              <a:t>leagues</a:t>
-            </a:r>
-            <a:r>
-              <a:rPr lang="it-IT" dirty="0"/>
-              <a:t> are the one to be </a:t>
-            </a:r>
-            <a:r>
-              <a:rPr lang="it-IT" dirty="0" err="1"/>
-              <a:t>scraped</a:t>
-            </a:r>
-            <a:r>
-              <a:rPr lang="it-IT" dirty="0"/>
-              <a:t> via the CLI with flags by </a:t>
-            </a:r>
-            <a:r>
-              <a:rPr lang="it-IT" dirty="0" err="1"/>
-              <a:t>league</a:t>
-            </a:r>
-            <a:r>
-              <a:rPr lang="it-IT" dirty="0"/>
-              <a:t> name.</a:t>
-            </a:r>
+            <a:endParaRPr lang="it-IT" dirty="0"/>
           </a:p>
         </p:txBody>
       </p:sp>
@@ -875,652 +604,7 @@
           <a:bodyPr/>
           <a:lstStyle/>
           <a:p>
-            <a:r>
-              <a:rPr lang="it-IT" dirty="0" err="1"/>
-              <a:t>While</a:t>
-            </a:r>
-            <a:r>
-              <a:rPr lang="it-IT" dirty="0"/>
-              <a:t> </a:t>
-            </a:r>
-            <a:r>
-              <a:rPr lang="it-IT" dirty="0" err="1"/>
-              <a:t>scraping</a:t>
-            </a:r>
-            <a:r>
-              <a:rPr lang="it-IT" dirty="0"/>
-              <a:t> the data </a:t>
-            </a:r>
-            <a:r>
-              <a:rPr lang="it-IT" dirty="0" err="1"/>
-              <a:t>sofa-scored</a:t>
-            </a:r>
-            <a:r>
-              <a:rPr lang="it-IT" dirty="0"/>
-              <a:t> </a:t>
-            </a:r>
-            <a:r>
-              <a:rPr lang="it-IT" dirty="0" err="1"/>
-              <a:t>us</a:t>
-            </a:r>
-            <a:r>
-              <a:rPr lang="it-IT" dirty="0"/>
-              <a:t>, and </a:t>
-            </a:r>
-            <a:r>
-              <a:rPr lang="it-IT" dirty="0" err="1"/>
-              <a:t>did</a:t>
-            </a:r>
-            <a:r>
-              <a:rPr lang="it-IT" dirty="0"/>
-              <a:t> some </a:t>
-            </a:r>
-            <a:r>
-              <a:rPr lang="it-IT" dirty="0" err="1"/>
-              <a:t>frequent</a:t>
-            </a:r>
-            <a:r>
-              <a:rPr lang="it-IT" dirty="0"/>
-              <a:t> </a:t>
-            </a:r>
-            <a:r>
-              <a:rPr lang="it-IT" dirty="0" err="1"/>
-              <a:t>updates</a:t>
-            </a:r>
-            <a:r>
-              <a:rPr lang="it-IT" dirty="0"/>
-              <a:t> to the site html (in the last </a:t>
-            </a:r>
-            <a:r>
-              <a:rPr lang="it-IT" dirty="0" err="1"/>
-              <a:t>couple</a:t>
-            </a:r>
-            <a:r>
-              <a:rPr lang="it-IT" dirty="0"/>
-              <a:t> of weeks – </a:t>
-            </a:r>
-            <a:r>
-              <a:rPr lang="it-IT" dirty="0" err="1"/>
-              <a:t>probably</a:t>
-            </a:r>
-            <a:r>
-              <a:rPr lang="it-IT" dirty="0"/>
-              <a:t> </a:t>
-            </a:r>
-            <a:r>
-              <a:rPr lang="it-IT" dirty="0" err="1"/>
-              <a:t>they</a:t>
-            </a:r>
-            <a:r>
-              <a:rPr lang="it-IT" dirty="0"/>
-              <a:t> </a:t>
-            </a:r>
-            <a:r>
-              <a:rPr lang="it-IT" dirty="0" err="1"/>
-              <a:t>have</a:t>
-            </a:r>
-            <a:r>
-              <a:rPr lang="it-IT" dirty="0"/>
-              <a:t> free time </a:t>
-            </a:r>
-            <a:r>
-              <a:rPr lang="it-IT" dirty="0" err="1"/>
-              <a:t>since</a:t>
-            </a:r>
-            <a:r>
-              <a:rPr lang="it-IT" dirty="0"/>
-              <a:t> the </a:t>
-            </a:r>
-            <a:r>
-              <a:rPr lang="it-IT" dirty="0" err="1"/>
-              <a:t>sports</a:t>
-            </a:r>
-            <a:r>
-              <a:rPr lang="it-IT" dirty="0"/>
-              <a:t> are off)</a:t>
-            </a:r>
-          </a:p>
-          <a:p>
-            <a:r>
-              <a:rPr lang="it-IT" dirty="0"/>
-              <a:t>And </a:t>
-            </a:r>
-            <a:r>
-              <a:rPr lang="it-IT" dirty="0" err="1"/>
-              <a:t>we</a:t>
-            </a:r>
-            <a:r>
-              <a:rPr lang="it-IT" dirty="0"/>
-              <a:t> </a:t>
-            </a:r>
-            <a:r>
-              <a:rPr lang="it-IT" dirty="0" err="1"/>
-              <a:t>had</a:t>
-            </a:r>
-            <a:r>
-              <a:rPr lang="it-IT" dirty="0"/>
-              <a:t> to </a:t>
-            </a:r>
-            <a:r>
-              <a:rPr lang="it-IT" dirty="0" err="1"/>
-              <a:t>to</a:t>
-            </a:r>
-            <a:r>
-              <a:rPr lang="it-IT" dirty="0"/>
-              <a:t> changes from checkpoint to </a:t>
-            </a:r>
-            <a:r>
-              <a:rPr lang="it-IT" dirty="0" err="1"/>
-              <a:t>checkpoing</a:t>
-            </a:r>
-            <a:r>
-              <a:rPr lang="it-IT" dirty="0"/>
-              <a:t> in </a:t>
-            </a:r>
-            <a:r>
-              <a:rPr lang="it-IT" dirty="0" err="1"/>
-              <a:t>our</a:t>
-            </a:r>
-            <a:r>
-              <a:rPr lang="it-IT" dirty="0"/>
-              <a:t> </a:t>
-            </a:r>
-            <a:r>
-              <a:rPr lang="it-IT" dirty="0" err="1"/>
-              <a:t>scraper</a:t>
-            </a:r>
-            <a:r>
-              <a:rPr lang="it-IT" dirty="0"/>
-              <a:t> </a:t>
-            </a:r>
-            <a:r>
-              <a:rPr lang="it-IT" dirty="0" err="1"/>
-              <a:t>adjusting</a:t>
-            </a:r>
-            <a:r>
-              <a:rPr lang="it-IT" dirty="0"/>
-              <a:t> </a:t>
-            </a:r>
-            <a:r>
-              <a:rPr lang="it-IT" dirty="0" err="1"/>
-              <a:t>according</a:t>
-            </a:r>
-            <a:r>
-              <a:rPr lang="it-IT" dirty="0"/>
-              <a:t> to the new site design.</a:t>
-            </a:r>
-          </a:p>
-          <a:p>
-            <a:r>
-              <a:rPr lang="it-IT" dirty="0" err="1"/>
-              <a:t>When</a:t>
-            </a:r>
-            <a:r>
-              <a:rPr lang="it-IT" dirty="0"/>
-              <a:t> </a:t>
-            </a:r>
-            <a:r>
-              <a:rPr lang="it-IT" dirty="0" err="1"/>
-              <a:t>trying</a:t>
-            </a:r>
-            <a:r>
-              <a:rPr lang="it-IT" dirty="0"/>
-              <a:t> to </a:t>
-            </a:r>
-            <a:r>
-              <a:rPr lang="it-IT" dirty="0" err="1"/>
-              <a:t>scrape</a:t>
-            </a:r>
-            <a:r>
-              <a:rPr lang="it-IT" dirty="0"/>
-              <a:t> on the server </a:t>
-            </a:r>
-            <a:r>
-              <a:rPr lang="it-IT" dirty="0" err="1"/>
-              <a:t>we</a:t>
-            </a:r>
-            <a:r>
-              <a:rPr lang="it-IT" dirty="0"/>
-              <a:t> </a:t>
-            </a:r>
-            <a:r>
-              <a:rPr lang="it-IT" dirty="0" err="1"/>
-              <a:t>encounterd</a:t>
-            </a:r>
-            <a:r>
-              <a:rPr lang="it-IT" dirty="0"/>
-              <a:t> issue with special characters – </a:t>
-            </a:r>
-            <a:r>
-              <a:rPr lang="it-IT" dirty="0" err="1"/>
-              <a:t>mainly</a:t>
-            </a:r>
-            <a:r>
-              <a:rPr lang="it-IT" dirty="0"/>
-              <a:t> </a:t>
-            </a:r>
-            <a:r>
-              <a:rPr lang="it-IT" dirty="0" err="1"/>
-              <a:t>cirillic</a:t>
-            </a:r>
-            <a:r>
-              <a:rPr lang="it-IT" dirty="0"/>
-              <a:t> </a:t>
-            </a:r>
-            <a:r>
-              <a:rPr lang="it-IT" dirty="0" err="1"/>
-              <a:t>letters</a:t>
-            </a:r>
-            <a:r>
-              <a:rPr lang="it-IT" dirty="0"/>
-              <a:t> in </a:t>
-            </a:r>
-            <a:r>
-              <a:rPr lang="it-IT" dirty="0" err="1"/>
-              <a:t>eastren</a:t>
-            </a:r>
-            <a:r>
-              <a:rPr lang="it-IT" dirty="0"/>
-              <a:t> </a:t>
-            </a:r>
-            <a:r>
-              <a:rPr lang="it-IT" dirty="0" err="1"/>
-              <a:t>european</a:t>
-            </a:r>
-            <a:r>
-              <a:rPr lang="it-IT" dirty="0"/>
-              <a:t> </a:t>
-            </a:r>
-            <a:r>
-              <a:rPr lang="it-IT" dirty="0" err="1"/>
-              <a:t>players</a:t>
-            </a:r>
-            <a:r>
-              <a:rPr lang="it-IT" dirty="0"/>
-              <a:t> and </a:t>
-            </a:r>
-            <a:r>
-              <a:rPr lang="it-IT" dirty="0" err="1"/>
-              <a:t>managers</a:t>
-            </a:r>
-            <a:r>
-              <a:rPr lang="it-IT" dirty="0"/>
-              <a:t>, </a:t>
-            </a:r>
-            <a:r>
-              <a:rPr lang="it-IT" dirty="0" err="1"/>
-              <a:t>we</a:t>
-            </a:r>
-            <a:r>
-              <a:rPr lang="it-IT" dirty="0"/>
-              <a:t> </a:t>
-            </a:r>
-            <a:r>
-              <a:rPr lang="it-IT" dirty="0" err="1"/>
-              <a:t>adrressed</a:t>
-            </a:r>
-            <a:r>
-              <a:rPr lang="it-IT" dirty="0"/>
-              <a:t> the </a:t>
-            </a:r>
-            <a:r>
-              <a:rPr lang="it-IT" dirty="0" err="1"/>
-              <a:t>problem</a:t>
-            </a:r>
-            <a:r>
-              <a:rPr lang="it-IT" dirty="0"/>
-              <a:t> by </a:t>
-            </a:r>
-            <a:r>
-              <a:rPr lang="it-IT" dirty="0" err="1"/>
-              <a:t>encoding</a:t>
-            </a:r>
-            <a:r>
-              <a:rPr lang="it-IT" dirty="0"/>
-              <a:t> </a:t>
-            </a:r>
-            <a:r>
-              <a:rPr lang="it-IT" dirty="0" err="1"/>
-              <a:t>those</a:t>
-            </a:r>
-            <a:r>
-              <a:rPr lang="it-IT" dirty="0"/>
-              <a:t> characters to </a:t>
-            </a:r>
-            <a:r>
-              <a:rPr lang="it-IT" dirty="0" err="1"/>
-              <a:t>english</a:t>
-            </a:r>
-            <a:r>
-              <a:rPr lang="it-IT" dirty="0"/>
-              <a:t> </a:t>
-            </a:r>
-          </a:p>
-          <a:p>
-            <a:r>
-              <a:rPr lang="it-IT" dirty="0" err="1"/>
-              <a:t>before</a:t>
-            </a:r>
-            <a:r>
-              <a:rPr lang="it-IT" dirty="0"/>
-              <a:t> </a:t>
-            </a:r>
-            <a:r>
-              <a:rPr lang="it-IT" dirty="0" err="1"/>
-              <a:t>commiting</a:t>
-            </a:r>
-            <a:r>
-              <a:rPr lang="it-IT" dirty="0"/>
-              <a:t> </a:t>
-            </a:r>
-            <a:r>
-              <a:rPr lang="it-IT" dirty="0" err="1"/>
-              <a:t>them</a:t>
-            </a:r>
-            <a:r>
-              <a:rPr lang="it-IT" dirty="0"/>
-              <a:t> to the database.</a:t>
-            </a:r>
-          </a:p>
-          <a:p>
-            <a:r>
-              <a:rPr lang="it-IT" dirty="0" err="1"/>
-              <a:t>When</a:t>
-            </a:r>
-            <a:r>
-              <a:rPr lang="it-IT" dirty="0"/>
-              <a:t> calling to the api </a:t>
-            </a:r>
-            <a:r>
-              <a:rPr lang="it-IT" dirty="0" err="1"/>
-              <a:t>we</a:t>
-            </a:r>
-            <a:r>
-              <a:rPr lang="it-IT" dirty="0"/>
-              <a:t> </a:t>
-            </a:r>
-            <a:r>
-              <a:rPr lang="it-IT" dirty="0" err="1"/>
-              <a:t>had</a:t>
-            </a:r>
-            <a:r>
-              <a:rPr lang="it-IT" dirty="0"/>
-              <a:t> some </a:t>
-            </a:r>
-            <a:r>
-              <a:rPr lang="it-IT" dirty="0" err="1"/>
-              <a:t>differences</a:t>
-            </a:r>
-            <a:r>
-              <a:rPr lang="it-IT" dirty="0"/>
-              <a:t> </a:t>
-            </a:r>
-            <a:r>
-              <a:rPr lang="it-IT" dirty="0" err="1"/>
-              <a:t>between</a:t>
-            </a:r>
-            <a:r>
-              <a:rPr lang="it-IT" dirty="0"/>
-              <a:t> the </a:t>
-            </a:r>
-            <a:r>
-              <a:rPr lang="it-IT" dirty="0" err="1"/>
-              <a:t>exact</a:t>
-            </a:r>
-            <a:r>
-              <a:rPr lang="it-IT" dirty="0"/>
-              <a:t> team name (in </a:t>
-            </a:r>
-            <a:r>
-              <a:rPr lang="it-IT" dirty="0" err="1"/>
-              <a:t>german</a:t>
-            </a:r>
-            <a:r>
-              <a:rPr lang="it-IT" dirty="0"/>
-              <a:t> </a:t>
-            </a:r>
-            <a:r>
-              <a:rPr lang="it-IT" dirty="0" err="1"/>
-              <a:t>league</a:t>
-            </a:r>
-            <a:r>
-              <a:rPr lang="it-IT" dirty="0"/>
-              <a:t> </a:t>
-            </a:r>
-            <a:r>
-              <a:rPr lang="it-IT" dirty="0" err="1"/>
-              <a:t>espcially</a:t>
-            </a:r>
-            <a:r>
-              <a:rPr lang="it-IT" dirty="0"/>
-              <a:t>) for </a:t>
-            </a:r>
-            <a:r>
-              <a:rPr lang="it-IT" dirty="0" err="1"/>
-              <a:t>example</a:t>
-            </a:r>
-            <a:r>
-              <a:rPr lang="it-IT" dirty="0"/>
-              <a:t> in </a:t>
-            </a:r>
-            <a:r>
-              <a:rPr lang="it-IT" dirty="0" err="1"/>
-              <a:t>sofascore</a:t>
-            </a:r>
-            <a:r>
-              <a:rPr lang="it-IT" dirty="0"/>
-              <a:t> </a:t>
-            </a:r>
-            <a:r>
-              <a:rPr lang="it-IT" dirty="0" err="1"/>
-              <a:t>bayern</a:t>
-            </a:r>
-            <a:r>
-              <a:rPr lang="it-IT" dirty="0"/>
-              <a:t> </a:t>
-            </a:r>
-            <a:r>
-              <a:rPr lang="it-IT" dirty="0" err="1"/>
-              <a:t>munich</a:t>
-            </a:r>
-            <a:r>
-              <a:rPr lang="it-IT" dirty="0"/>
-              <a:t> </a:t>
-            </a:r>
-            <a:r>
-              <a:rPr lang="it-IT" dirty="0" err="1"/>
-              <a:t>is</a:t>
-            </a:r>
-            <a:r>
-              <a:rPr lang="it-IT" dirty="0"/>
-              <a:t> called </a:t>
-            </a:r>
-            <a:r>
-              <a:rPr lang="it-IT" dirty="0" err="1"/>
-              <a:t>bayern</a:t>
-            </a:r>
-            <a:r>
-              <a:rPr lang="it-IT" dirty="0"/>
-              <a:t> </a:t>
-            </a:r>
-            <a:r>
-              <a:rPr lang="it-IT" dirty="0" err="1"/>
-              <a:t>munich</a:t>
-            </a:r>
-            <a:r>
-              <a:rPr lang="it-IT" dirty="0"/>
-              <a:t> and in the api </a:t>
-            </a:r>
-            <a:r>
-              <a:rPr lang="it-IT" dirty="0" err="1"/>
-              <a:t>its</a:t>
-            </a:r>
-            <a:r>
-              <a:rPr lang="it-IT" dirty="0"/>
-              <a:t> called just </a:t>
-            </a:r>
-            <a:r>
-              <a:rPr lang="it-IT" dirty="0" err="1"/>
-              <a:t>bayern</a:t>
-            </a:r>
-            <a:r>
-              <a:rPr lang="it-IT" dirty="0"/>
-              <a:t>.</a:t>
-            </a:r>
-          </a:p>
-          <a:p>
-            <a:r>
-              <a:rPr lang="it-IT" dirty="0" err="1"/>
-              <a:t>We</a:t>
-            </a:r>
-            <a:r>
-              <a:rPr lang="it-IT" dirty="0"/>
-              <a:t> </a:t>
-            </a:r>
-            <a:r>
-              <a:rPr lang="it-IT" dirty="0" err="1"/>
-              <a:t>had</a:t>
-            </a:r>
-            <a:r>
-              <a:rPr lang="it-IT" dirty="0"/>
-              <a:t> </a:t>
-            </a:r>
-            <a:r>
-              <a:rPr lang="it-IT" dirty="0" err="1"/>
-              <a:t>problem</a:t>
-            </a:r>
-            <a:r>
-              <a:rPr lang="it-IT" dirty="0"/>
-              <a:t> with </a:t>
-            </a:r>
-            <a:r>
-              <a:rPr lang="it-IT" dirty="0" err="1"/>
-              <a:t>chromedriver</a:t>
-            </a:r>
-            <a:r>
-              <a:rPr lang="it-IT" dirty="0"/>
-              <a:t> like the </a:t>
-            </a:r>
-            <a:r>
-              <a:rPr lang="it-IT" dirty="0" err="1"/>
-              <a:t>most</a:t>
-            </a:r>
-            <a:r>
-              <a:rPr lang="it-IT" dirty="0"/>
-              <a:t> of </a:t>
-            </a:r>
-            <a:r>
-              <a:rPr lang="it-IT" dirty="0" err="1"/>
-              <a:t>us</a:t>
-            </a:r>
-            <a:r>
-              <a:rPr lang="it-IT" dirty="0"/>
-              <a:t> </a:t>
-            </a:r>
-            <a:r>
-              <a:rPr lang="it-IT" dirty="0" err="1"/>
-              <a:t>did</a:t>
-            </a:r>
-            <a:r>
-              <a:rPr lang="it-IT" dirty="0"/>
-              <a:t>, for </a:t>
-            </a:r>
-            <a:r>
-              <a:rPr lang="it-IT" dirty="0" err="1"/>
-              <a:t>us</a:t>
-            </a:r>
-            <a:r>
-              <a:rPr lang="it-IT" dirty="0"/>
-              <a:t>, </a:t>
-            </a:r>
-            <a:r>
-              <a:rPr lang="it-IT" dirty="0" err="1"/>
-              <a:t>we</a:t>
-            </a:r>
-            <a:r>
-              <a:rPr lang="it-IT" dirty="0"/>
-              <a:t> </a:t>
-            </a:r>
-            <a:r>
-              <a:rPr lang="it-IT" dirty="0" err="1"/>
-              <a:t>stayed</a:t>
-            </a:r>
-            <a:r>
-              <a:rPr lang="it-IT" dirty="0"/>
-              <a:t> with the </a:t>
-            </a:r>
-            <a:r>
-              <a:rPr lang="it-IT" dirty="0" err="1"/>
-              <a:t>chrome</a:t>
-            </a:r>
-            <a:r>
-              <a:rPr lang="it-IT" dirty="0"/>
-              <a:t> and </a:t>
-            </a:r>
-            <a:r>
-              <a:rPr lang="it-IT" dirty="0" err="1"/>
-              <a:t>did</a:t>
-            </a:r>
-            <a:r>
-              <a:rPr lang="it-IT" dirty="0"/>
-              <a:t> </a:t>
-            </a:r>
-            <a:r>
-              <a:rPr lang="it-IT" dirty="0" err="1"/>
-              <a:t>not</a:t>
-            </a:r>
-            <a:r>
-              <a:rPr lang="it-IT" dirty="0"/>
-              <a:t> change to </a:t>
-            </a:r>
-            <a:r>
-              <a:rPr lang="it-IT" dirty="0" err="1"/>
-              <a:t>firefox</a:t>
-            </a:r>
-            <a:r>
-              <a:rPr lang="it-IT" dirty="0"/>
-              <a:t>, </a:t>
-            </a:r>
-            <a:r>
-              <a:rPr lang="it-IT" dirty="0" err="1"/>
-              <a:t>as</a:t>
-            </a:r>
-            <a:r>
-              <a:rPr lang="it-IT" dirty="0"/>
-              <a:t> </a:t>
-            </a:r>
-            <a:r>
-              <a:rPr lang="it-IT" dirty="0" err="1"/>
-              <a:t>installing</a:t>
-            </a:r>
-            <a:r>
-              <a:rPr lang="it-IT" dirty="0"/>
-              <a:t> the right </a:t>
-            </a:r>
-            <a:r>
-              <a:rPr lang="it-IT" dirty="0" err="1"/>
-              <a:t>version</a:t>
-            </a:r>
-            <a:r>
-              <a:rPr lang="it-IT" dirty="0"/>
-              <a:t> on </a:t>
-            </a:r>
-            <a:r>
-              <a:rPr lang="it-IT" dirty="0" err="1"/>
-              <a:t>chrome</a:t>
-            </a:r>
-            <a:r>
-              <a:rPr lang="it-IT" dirty="0"/>
-              <a:t> in the AWS </a:t>
-            </a:r>
-            <a:r>
-              <a:rPr lang="it-IT" dirty="0" err="1"/>
-              <a:t>worked</a:t>
-            </a:r>
-            <a:r>
-              <a:rPr lang="it-IT" dirty="0"/>
-              <a:t> just fine.</a:t>
-            </a:r>
+            <a:endParaRPr lang="it-IT" dirty="0"/>
           </a:p>
         </p:txBody>
       </p:sp>
@@ -1688,144 +772,7 @@
           <a:bodyPr/>
           <a:lstStyle/>
           <a:p>
-            <a:r>
-              <a:rPr lang="it-IT" dirty="0"/>
-              <a:t>From the teams </a:t>
-            </a:r>
-            <a:r>
-              <a:rPr lang="it-IT" dirty="0" err="1"/>
-              <a:t>pages</a:t>
-            </a:r>
-            <a:r>
-              <a:rPr lang="it-IT" dirty="0"/>
-              <a:t> </a:t>
-            </a:r>
-            <a:r>
-              <a:rPr lang="it-IT" dirty="0" err="1"/>
-              <a:t>we</a:t>
-            </a:r>
-            <a:r>
-              <a:rPr lang="it-IT" dirty="0"/>
-              <a:t> </a:t>
-            </a:r>
-            <a:r>
-              <a:rPr lang="it-IT" dirty="0" err="1"/>
-              <a:t>scraped</a:t>
-            </a:r>
-            <a:r>
-              <a:rPr lang="it-IT" dirty="0"/>
-              <a:t> the </a:t>
-            </a:r>
-            <a:r>
-              <a:rPr lang="it-IT" dirty="0" err="1"/>
-              <a:t>managers</a:t>
-            </a:r>
-            <a:r>
-              <a:rPr lang="it-IT" dirty="0"/>
-              <a:t> and </a:t>
-            </a:r>
-            <a:r>
-              <a:rPr lang="it-IT" dirty="0" err="1"/>
-              <a:t>players</a:t>
-            </a:r>
-            <a:r>
-              <a:rPr lang="it-IT" dirty="0"/>
-              <a:t> </a:t>
-            </a:r>
-            <a:r>
-              <a:rPr lang="it-IT" dirty="0" err="1"/>
-              <a:t>urls</a:t>
-            </a:r>
-            <a:r>
-              <a:rPr lang="it-IT" dirty="0"/>
-              <a:t>, </a:t>
-            </a:r>
-            <a:r>
-              <a:rPr lang="it-IT" dirty="0" err="1"/>
-              <a:t>same</a:t>
-            </a:r>
-            <a:r>
-              <a:rPr lang="it-IT" dirty="0"/>
-              <a:t> issue </a:t>
-            </a:r>
-            <a:r>
-              <a:rPr lang="it-IT" dirty="0" err="1"/>
-              <a:t>here</a:t>
-            </a:r>
-            <a:r>
-              <a:rPr lang="it-IT" dirty="0"/>
-              <a:t> with the </a:t>
-            </a:r>
-            <a:r>
-              <a:rPr lang="it-IT" dirty="0" err="1"/>
-              <a:t>javascript</a:t>
-            </a:r>
-            <a:r>
-              <a:rPr lang="it-IT" dirty="0"/>
-              <a:t> code </a:t>
-            </a:r>
-            <a:r>
-              <a:rPr lang="it-IT" dirty="0" err="1"/>
-              <a:t>that</a:t>
-            </a:r>
-            <a:r>
-              <a:rPr lang="it-IT" dirty="0"/>
-              <a:t> </a:t>
-            </a:r>
-            <a:r>
-              <a:rPr lang="it-IT" dirty="0" err="1"/>
-              <a:t>load</a:t>
-            </a:r>
-            <a:r>
-              <a:rPr lang="it-IT" dirty="0"/>
-              <a:t> the info for the user, so </a:t>
-            </a:r>
-            <a:r>
-              <a:rPr lang="it-IT" dirty="0" err="1"/>
-              <a:t>we</a:t>
-            </a:r>
-            <a:r>
-              <a:rPr lang="it-IT" dirty="0"/>
-              <a:t> </a:t>
-            </a:r>
-            <a:r>
-              <a:rPr lang="it-IT" dirty="0" err="1"/>
-              <a:t>used</a:t>
-            </a:r>
-            <a:r>
-              <a:rPr lang="it-IT" dirty="0"/>
-              <a:t> </a:t>
-            </a:r>
-            <a:r>
-              <a:rPr lang="it-IT" dirty="0" err="1"/>
-              <a:t>selenium</a:t>
-            </a:r>
-            <a:r>
-              <a:rPr lang="it-IT" dirty="0"/>
-              <a:t> </a:t>
-            </a:r>
-            <a:r>
-              <a:rPr lang="it-IT" dirty="0" err="1"/>
-              <a:t>again</a:t>
-            </a:r>
-            <a:r>
-              <a:rPr lang="it-IT" dirty="0"/>
-              <a:t>. 2300 URLS </a:t>
-            </a:r>
-            <a:r>
-              <a:rPr lang="it-IT" dirty="0" err="1"/>
-              <a:t>totally</a:t>
-            </a:r>
             <a:endParaRPr lang="it-IT" dirty="0"/>
-          </a:p>
-          <a:p>
-            <a:endParaRPr lang="it-IT" dirty="0"/>
-          </a:p>
-          <a:p>
-            <a:r>
-              <a:rPr lang="it-IT" dirty="0"/>
-              <a:t>78 teams</a:t>
-            </a:r>
           </a:p>
         </p:txBody>
       </p:sp>
@@ -1909,98 +856,6 @@
           <a:bodyPr/>
           <a:lstStyle/>
           <a:p>
-            <a:r>
-              <a:rPr lang="it-IT" dirty="0" err="1"/>
-              <a:t>This</a:t>
-            </a:r>
-            <a:r>
-              <a:rPr lang="it-IT" dirty="0"/>
-              <a:t> </a:t>
-            </a:r>
-            <a:r>
-              <a:rPr lang="it-IT" dirty="0" err="1"/>
-              <a:t>is</a:t>
-            </a:r>
-            <a:r>
-              <a:rPr lang="it-IT" dirty="0"/>
-              <a:t> the </a:t>
-            </a:r>
-            <a:r>
-              <a:rPr lang="it-IT" dirty="0" err="1"/>
-              <a:t>players</a:t>
-            </a:r>
-            <a:r>
-              <a:rPr lang="it-IT" dirty="0"/>
-              <a:t> page, </a:t>
-            </a:r>
-            <a:r>
-              <a:rPr lang="it-IT" dirty="0" err="1"/>
-              <a:t>here</a:t>
-            </a:r>
-            <a:r>
-              <a:rPr lang="it-IT" dirty="0"/>
-              <a:t> bs4 </a:t>
-            </a:r>
-            <a:r>
-              <a:rPr lang="it-IT" dirty="0" err="1"/>
-              <a:t>was</a:t>
-            </a:r>
-            <a:r>
-              <a:rPr lang="it-IT" dirty="0"/>
-              <a:t> </a:t>
-            </a:r>
-            <a:r>
-              <a:rPr lang="it-IT" dirty="0" err="1"/>
-              <a:t>enough</a:t>
-            </a:r>
-            <a:r>
-              <a:rPr lang="it-IT" dirty="0"/>
-              <a:t> and </a:t>
-            </a:r>
-            <a:r>
-              <a:rPr lang="it-IT" dirty="0" err="1"/>
-              <a:t>we</a:t>
-            </a:r>
-            <a:r>
-              <a:rPr lang="it-IT" dirty="0"/>
-              <a:t> </a:t>
-            </a:r>
-            <a:r>
-              <a:rPr lang="it-IT" dirty="0" err="1"/>
-              <a:t>were</a:t>
-            </a:r>
-            <a:r>
-              <a:rPr lang="it-IT" dirty="0"/>
-              <a:t> </a:t>
-            </a:r>
-            <a:r>
-              <a:rPr lang="it-IT" dirty="0" err="1"/>
-              <a:t>able</a:t>
-            </a:r>
-            <a:r>
-              <a:rPr lang="it-IT" dirty="0"/>
-              <a:t> to </a:t>
-            </a:r>
-            <a:r>
-              <a:rPr lang="it-IT" dirty="0" err="1"/>
-              <a:t>fetch</a:t>
-            </a:r>
-            <a:r>
-              <a:rPr lang="it-IT" dirty="0"/>
-              <a:t> </a:t>
-            </a:r>
-            <a:r>
-              <a:rPr lang="it-IT" dirty="0" err="1"/>
-              <a:t>each</a:t>
-            </a:r>
-            <a:r>
-              <a:rPr lang="it-IT" dirty="0"/>
-              <a:t> </a:t>
-            </a:r>
-            <a:r>
-              <a:rPr lang="it-IT"/>
-              <a:t>player desire</a:t>
-            </a:r>
             <a:endParaRPr lang="it-IT" dirty="0"/>
           </a:p>
         </p:txBody>
@@ -2085,54 +940,7 @@
           <a:bodyPr/>
           <a:lstStyle/>
           <a:p>
-            <a:r>
-              <a:rPr lang="it-IT" dirty="0" err="1"/>
-              <a:t>This</a:t>
-            </a:r>
-            <a:r>
-              <a:rPr lang="it-IT" dirty="0"/>
-              <a:t> </a:t>
-            </a:r>
-            <a:r>
-              <a:rPr lang="it-IT" dirty="0" err="1"/>
-              <a:t>is</a:t>
-            </a:r>
-            <a:r>
-              <a:rPr lang="it-IT" dirty="0"/>
-              <a:t> the manager page, </a:t>
-            </a:r>
-            <a:r>
-              <a:rPr lang="it-IT" dirty="0" err="1"/>
-              <a:t>same</a:t>
-            </a:r>
-            <a:r>
-              <a:rPr lang="it-IT" dirty="0"/>
-              <a:t> </a:t>
-            </a:r>
-            <a:r>
-              <a:rPr lang="it-IT" dirty="0" err="1"/>
-              <a:t>goes</a:t>
-            </a:r>
-            <a:r>
-              <a:rPr lang="it-IT" dirty="0"/>
-              <a:t> </a:t>
-            </a:r>
-            <a:r>
-              <a:rPr lang="it-IT" dirty="0" err="1"/>
-              <a:t>as</a:t>
-            </a:r>
-            <a:r>
-              <a:rPr lang="it-IT" dirty="0"/>
-              <a:t> in player </a:t>
-            </a:r>
-            <a:r>
-              <a:rPr lang="it-IT" dirty="0" err="1"/>
-              <a:t>pages</a:t>
-            </a:r>
-            <a:r>
-              <a:rPr lang="it-IT" dirty="0"/>
-              <a:t>.</a:t>
-            </a:r>
+            <a:endParaRPr lang="it-IT" dirty="0"/>
           </a:p>
         </p:txBody>
       </p:sp>
@@ -2216,226 +1024,6 @@
           <a:bodyPr/>
           <a:lstStyle/>
           <a:p>
-            <a:r>
-              <a:rPr lang="it-IT" dirty="0" err="1"/>
-              <a:t>This</a:t>
-            </a:r>
-            <a:r>
-              <a:rPr lang="it-IT" dirty="0"/>
-              <a:t> </a:t>
-            </a:r>
-            <a:r>
-              <a:rPr lang="it-IT" dirty="0" err="1"/>
-              <a:t>is</a:t>
-            </a:r>
-            <a:r>
-              <a:rPr lang="it-IT" dirty="0"/>
-              <a:t> the design of </a:t>
-            </a:r>
-            <a:r>
-              <a:rPr lang="it-IT" dirty="0" err="1"/>
-              <a:t>our</a:t>
-            </a:r>
-            <a:r>
-              <a:rPr lang="it-IT" dirty="0"/>
-              <a:t> </a:t>
-            </a:r>
-            <a:r>
-              <a:rPr lang="it-IT" dirty="0" err="1"/>
-              <a:t>modest</a:t>
-            </a:r>
-            <a:r>
-              <a:rPr lang="it-IT" dirty="0"/>
-              <a:t> database, </a:t>
-            </a:r>
-            <a:r>
-              <a:rPr lang="it-IT" dirty="0" err="1"/>
-              <a:t>it</a:t>
-            </a:r>
-            <a:r>
-              <a:rPr lang="it-IT" dirty="0"/>
-              <a:t> </a:t>
-            </a:r>
-            <a:r>
-              <a:rPr lang="it-IT" dirty="0" err="1"/>
-              <a:t>is</a:t>
-            </a:r>
-            <a:r>
-              <a:rPr lang="it-IT" dirty="0"/>
-              <a:t> </a:t>
-            </a:r>
-            <a:r>
-              <a:rPr lang="it-IT" dirty="0" err="1"/>
-              <a:t>built</a:t>
-            </a:r>
-            <a:r>
-              <a:rPr lang="it-IT" dirty="0"/>
-              <a:t> from 5 </a:t>
-            </a:r>
-            <a:r>
-              <a:rPr lang="it-IT" dirty="0" err="1"/>
-              <a:t>tables</a:t>
-            </a:r>
-            <a:r>
-              <a:rPr lang="it-IT" dirty="0"/>
-              <a:t>, </a:t>
-            </a:r>
-            <a:r>
-              <a:rPr lang="it-IT" dirty="0" err="1"/>
-              <a:t>that</a:t>
-            </a:r>
-            <a:r>
-              <a:rPr lang="it-IT" dirty="0"/>
-              <a:t> </a:t>
-            </a:r>
-            <a:r>
-              <a:rPr lang="it-IT" dirty="0" err="1"/>
-              <a:t>try</a:t>
-            </a:r>
-            <a:r>
-              <a:rPr lang="it-IT" dirty="0"/>
-              <a:t> to </a:t>
-            </a:r>
-            <a:r>
-              <a:rPr lang="it-IT" dirty="0" err="1"/>
-              <a:t>describe</a:t>
-            </a:r>
-            <a:r>
-              <a:rPr lang="it-IT" dirty="0"/>
-              <a:t> the reality, the </a:t>
-            </a:r>
-            <a:r>
-              <a:rPr lang="it-IT" dirty="0" err="1"/>
-              <a:t>real</a:t>
-            </a:r>
-            <a:r>
-              <a:rPr lang="it-IT" dirty="0"/>
-              <a:t> </a:t>
-            </a:r>
-            <a:r>
-              <a:rPr lang="it-IT" dirty="0" err="1"/>
-              <a:t>structure</a:t>
-            </a:r>
-            <a:r>
-              <a:rPr lang="it-IT" dirty="0"/>
-              <a:t> of a club, *** </a:t>
-            </a:r>
-            <a:r>
-              <a:rPr lang="it-IT" dirty="0" err="1"/>
-              <a:t>explain</a:t>
-            </a:r>
-            <a:r>
-              <a:rPr lang="it-IT" dirty="0"/>
-              <a:t> fields and </a:t>
-            </a:r>
-            <a:r>
-              <a:rPr lang="it-IT" dirty="0" err="1"/>
-              <a:t>types</a:t>
-            </a:r>
-            <a:r>
-              <a:rPr lang="it-IT" dirty="0"/>
-              <a:t> </a:t>
-            </a:r>
-            <a:r>
-              <a:rPr lang="it-IT" dirty="0" err="1"/>
-              <a:t>we</a:t>
-            </a:r>
-            <a:r>
-              <a:rPr lang="it-IT" dirty="0"/>
-              <a:t> </a:t>
-            </a:r>
-            <a:r>
-              <a:rPr lang="it-IT" dirty="0" err="1"/>
-              <a:t>scraped</a:t>
-            </a:r>
-            <a:r>
-              <a:rPr lang="it-IT" dirty="0"/>
-              <a:t> ***</a:t>
-            </a:r>
-          </a:p>
-          <a:p>
-            <a:r>
-              <a:rPr lang="it-IT" dirty="0" err="1"/>
-              <a:t>We</a:t>
-            </a:r>
-            <a:r>
-              <a:rPr lang="it-IT" dirty="0"/>
-              <a:t> </a:t>
-            </a:r>
-            <a:r>
-              <a:rPr lang="it-IT" dirty="0" err="1"/>
-              <a:t>had</a:t>
-            </a:r>
-            <a:r>
-              <a:rPr lang="it-IT" dirty="0"/>
-              <a:t> 3 </a:t>
-            </a:r>
-            <a:r>
-              <a:rPr lang="it-IT" dirty="0" err="1"/>
-              <a:t>tables</a:t>
-            </a:r>
-            <a:r>
-              <a:rPr lang="it-IT" dirty="0"/>
-              <a:t> in the second checkpoint, </a:t>
-            </a:r>
-            <a:r>
-              <a:rPr lang="it-IT" dirty="0" err="1"/>
-              <a:t>managers</a:t>
-            </a:r>
-            <a:r>
-              <a:rPr lang="it-IT" dirty="0"/>
-              <a:t> and teams  </a:t>
-            </a:r>
-            <a:r>
-              <a:rPr lang="it-IT" dirty="0" err="1"/>
-              <a:t>extras</a:t>
-            </a:r>
-            <a:r>
-              <a:rPr lang="it-IT" dirty="0"/>
-              <a:t> </a:t>
-            </a:r>
-            <a:r>
-              <a:rPr lang="it-IT" dirty="0" err="1"/>
-              <a:t>were</a:t>
-            </a:r>
-            <a:r>
-              <a:rPr lang="it-IT" dirty="0"/>
-              <a:t> added in the </a:t>
-            </a:r>
-            <a:r>
-              <a:rPr lang="it-IT" dirty="0" err="1"/>
-              <a:t>third</a:t>
-            </a:r>
-            <a:r>
-              <a:rPr lang="it-IT" dirty="0"/>
-              <a:t> checkpoint, </a:t>
-            </a:r>
-            <a:r>
-              <a:rPr lang="it-IT" dirty="0" err="1"/>
-              <a:t>while</a:t>
-            </a:r>
-            <a:r>
-              <a:rPr lang="it-IT" dirty="0"/>
-              <a:t> team </a:t>
-            </a:r>
-            <a:r>
-              <a:rPr lang="it-IT" dirty="0" err="1"/>
-              <a:t>exstras</a:t>
-            </a:r>
-            <a:r>
-              <a:rPr lang="it-IT" dirty="0"/>
-              <a:t> </a:t>
-            </a:r>
-            <a:r>
-              <a:rPr lang="it-IT" dirty="0" err="1"/>
-              <a:t>is</a:t>
-            </a:r>
-            <a:r>
-              <a:rPr lang="it-IT" dirty="0"/>
-              <a:t> from external api.</a:t>
-            </a:r>
-          </a:p>
-          <a:p>
             <a:endParaRPr lang="it-IT" dirty="0"/>
           </a:p>
         </p:txBody>
@@ -2520,234 +1108,6 @@
           <a:bodyPr/>
           <a:lstStyle/>
           <a:p>
-            <a:r>
-              <a:rPr lang="it-IT" dirty="0" err="1"/>
-              <a:t>Used</a:t>
-            </a:r>
-            <a:r>
-              <a:rPr lang="it-IT" dirty="0"/>
-              <a:t> </a:t>
-            </a:r>
-            <a:r>
-              <a:rPr lang="it-IT" dirty="0" err="1"/>
-              <a:t>thesportsDB</a:t>
-            </a:r>
-            <a:r>
-              <a:rPr lang="it-IT" dirty="0"/>
-              <a:t> API </a:t>
-            </a:r>
-            <a:r>
-              <a:rPr lang="it-IT" dirty="0" err="1"/>
-              <a:t>which</a:t>
-            </a:r>
-            <a:r>
-              <a:rPr lang="it-IT" dirty="0"/>
-              <a:t> </a:t>
-            </a:r>
-            <a:r>
-              <a:rPr lang="it-IT" dirty="0" err="1"/>
-              <a:t>is</a:t>
-            </a:r>
-            <a:r>
-              <a:rPr lang="it-IT" dirty="0"/>
-              <a:t> </a:t>
-            </a:r>
-            <a:r>
-              <a:rPr lang="it-IT" dirty="0" err="1"/>
-              <a:t>totally</a:t>
-            </a:r>
-            <a:r>
-              <a:rPr lang="it-IT" dirty="0"/>
-              <a:t> free. </a:t>
-            </a:r>
-            <a:r>
-              <a:rPr lang="it-IT" dirty="0" err="1"/>
-              <a:t>We</a:t>
-            </a:r>
-            <a:r>
-              <a:rPr lang="it-IT" dirty="0"/>
-              <a:t> </a:t>
-            </a:r>
-            <a:r>
-              <a:rPr lang="it-IT" dirty="0" err="1"/>
-              <a:t>scraped</a:t>
-            </a:r>
-            <a:r>
-              <a:rPr lang="it-IT" dirty="0"/>
-              <a:t> more data </a:t>
-            </a:r>
-            <a:r>
-              <a:rPr lang="it-IT" dirty="0" err="1"/>
-              <a:t>about</a:t>
-            </a:r>
-            <a:r>
-              <a:rPr lang="it-IT" dirty="0"/>
-              <a:t> </a:t>
-            </a:r>
-            <a:r>
-              <a:rPr lang="it-IT" dirty="0" err="1"/>
-              <a:t>each</a:t>
-            </a:r>
-            <a:r>
-              <a:rPr lang="it-IT" dirty="0"/>
-              <a:t> team – stadium </a:t>
-            </a:r>
-            <a:r>
-              <a:rPr lang="it-IT" dirty="0" err="1"/>
-              <a:t>capacity</a:t>
-            </a:r>
-            <a:r>
-              <a:rPr lang="it-IT" dirty="0"/>
-              <a:t>, </a:t>
-            </a:r>
-            <a:r>
-              <a:rPr lang="it-IT" dirty="0" err="1"/>
-              <a:t>descripitions</a:t>
-            </a:r>
-            <a:r>
-              <a:rPr lang="it-IT" dirty="0"/>
-              <a:t>, </a:t>
-            </a:r>
-            <a:r>
-              <a:rPr lang="it-IT" dirty="0" err="1"/>
-              <a:t>year</a:t>
-            </a:r>
-            <a:r>
-              <a:rPr lang="it-IT" dirty="0"/>
-              <a:t> </a:t>
-            </a:r>
-            <a:r>
-              <a:rPr lang="it-IT" dirty="0" err="1"/>
-              <a:t>formed</a:t>
-            </a:r>
-            <a:r>
-              <a:rPr lang="it-IT" dirty="0"/>
-              <a:t> </a:t>
-            </a:r>
-            <a:r>
-              <a:rPr lang="it-IT" dirty="0" err="1"/>
-              <a:t>tec</a:t>
-            </a:r>
-            <a:r>
-              <a:rPr lang="it-IT" dirty="0"/>
-              <a:t>.. </a:t>
-            </a:r>
-            <a:r>
-              <a:rPr lang="it-IT" dirty="0" err="1"/>
-              <a:t>This</a:t>
-            </a:r>
-            <a:r>
-              <a:rPr lang="it-IT" dirty="0"/>
-              <a:t> </a:t>
-            </a:r>
-            <a:r>
-              <a:rPr lang="it-IT" dirty="0" err="1"/>
-              <a:t>table</a:t>
-            </a:r>
-            <a:r>
-              <a:rPr lang="it-IT" dirty="0"/>
-              <a:t> </a:t>
-            </a:r>
-            <a:r>
-              <a:rPr lang="it-IT" dirty="0" err="1"/>
-              <a:t>is</a:t>
-            </a:r>
-            <a:r>
-              <a:rPr lang="it-IT" dirty="0"/>
-              <a:t> </a:t>
-            </a:r>
-            <a:r>
-              <a:rPr lang="it-IT" dirty="0" err="1"/>
-              <a:t>connected</a:t>
-            </a:r>
-            <a:r>
-              <a:rPr lang="it-IT" dirty="0"/>
-              <a:t> by a foreign </a:t>
-            </a:r>
-            <a:r>
-              <a:rPr lang="it-IT" dirty="0" err="1"/>
-              <a:t>key</a:t>
-            </a:r>
-            <a:r>
-              <a:rPr lang="it-IT" dirty="0"/>
-              <a:t> to the </a:t>
-            </a:r>
-            <a:r>
-              <a:rPr lang="it-IT" dirty="0" err="1"/>
-              <a:t>original</a:t>
-            </a:r>
-            <a:r>
-              <a:rPr lang="it-IT" dirty="0"/>
-              <a:t> teams  </a:t>
-            </a:r>
-            <a:r>
-              <a:rPr lang="it-IT" dirty="0" err="1"/>
-              <a:t>table</a:t>
-            </a:r>
-            <a:r>
-              <a:rPr lang="it-IT" dirty="0"/>
-              <a:t>.</a:t>
-            </a:r>
-          </a:p>
-          <a:p>
-            <a:r>
-              <a:rPr lang="it-IT" dirty="0" err="1"/>
-              <a:t>This</a:t>
-            </a:r>
-            <a:r>
-              <a:rPr lang="it-IT" dirty="0"/>
-              <a:t> API </a:t>
-            </a:r>
-            <a:r>
-              <a:rPr lang="it-IT" dirty="0" err="1"/>
-              <a:t>generates</a:t>
-            </a:r>
-            <a:r>
-              <a:rPr lang="it-IT" dirty="0"/>
-              <a:t> for </a:t>
-            </a:r>
-            <a:r>
-              <a:rPr lang="it-IT" dirty="0" err="1"/>
-              <a:t>us</a:t>
-            </a:r>
-            <a:r>
-              <a:rPr lang="it-IT" dirty="0"/>
-              <a:t> a JSON text </a:t>
-            </a:r>
-            <a:r>
-              <a:rPr lang="it-IT" dirty="0" err="1"/>
-              <a:t>which</a:t>
-            </a:r>
-            <a:r>
-              <a:rPr lang="it-IT" dirty="0"/>
-              <a:t> </a:t>
-            </a:r>
-            <a:r>
-              <a:rPr lang="it-IT" dirty="0" err="1"/>
-              <a:t>is</a:t>
-            </a:r>
-            <a:r>
-              <a:rPr lang="it-IT" dirty="0"/>
-              <a:t> </a:t>
-            </a:r>
-            <a:r>
-              <a:rPr lang="it-IT" dirty="0" err="1"/>
-              <a:t>very</a:t>
-            </a:r>
-            <a:r>
-              <a:rPr lang="it-IT" dirty="0"/>
-              <a:t> </a:t>
-            </a:r>
-            <a:r>
-              <a:rPr lang="it-IT" dirty="0" err="1"/>
-              <a:t>comfortable</a:t>
-            </a:r>
-            <a:r>
-              <a:rPr lang="it-IT" dirty="0"/>
-              <a:t> to work with.</a:t>
-            </a:r>
-          </a:p>
-          <a:p>
             <a:endParaRPr lang="it-IT" dirty="0"/>
           </a:p>
         </p:txBody>
@@ -2832,120 +1192,7 @@
           <a:bodyPr/>
           <a:lstStyle/>
           <a:p>
-            <a:r>
-              <a:rPr lang="it-IT" dirty="0" err="1"/>
-              <a:t>Finally</a:t>
-            </a:r>
-            <a:r>
-              <a:rPr lang="it-IT" dirty="0"/>
-              <a:t> </a:t>
-            </a:r>
-            <a:r>
-              <a:rPr lang="it-IT" dirty="0" err="1"/>
-              <a:t>we</a:t>
-            </a:r>
-            <a:r>
-              <a:rPr lang="it-IT" dirty="0"/>
-              <a:t> </a:t>
-            </a:r>
-            <a:r>
-              <a:rPr lang="it-IT" dirty="0" err="1"/>
-              <a:t>connected</a:t>
-            </a:r>
-            <a:r>
-              <a:rPr lang="it-IT" dirty="0"/>
-              <a:t> the project to the AWS and to </a:t>
-            </a:r>
-            <a:r>
-              <a:rPr lang="it-IT" dirty="0" err="1"/>
-              <a:t>redash</a:t>
-            </a:r>
-            <a:r>
-              <a:rPr lang="it-IT" dirty="0"/>
-              <a:t>, and </a:t>
-            </a:r>
-            <a:r>
-              <a:rPr lang="it-IT" dirty="0" err="1"/>
-              <a:t>visualize</a:t>
-            </a:r>
-            <a:r>
-              <a:rPr lang="it-IT" dirty="0"/>
-              <a:t> </a:t>
-            </a:r>
-            <a:r>
-              <a:rPr lang="it-IT" dirty="0" err="1"/>
-              <a:t>our</a:t>
-            </a:r>
-            <a:r>
-              <a:rPr lang="it-IT" dirty="0"/>
-              <a:t> data!</a:t>
-            </a:r>
-          </a:p>
-          <a:p>
-            <a:r>
-              <a:rPr lang="it-IT" dirty="0" err="1"/>
-              <a:t>Trying</a:t>
-            </a:r>
-            <a:r>
-              <a:rPr lang="it-IT" dirty="0"/>
-              <a:t> to </a:t>
-            </a:r>
-            <a:r>
-              <a:rPr lang="it-IT" dirty="0" err="1"/>
-              <a:t>get</a:t>
-            </a:r>
-            <a:r>
-              <a:rPr lang="it-IT" dirty="0"/>
-              <a:t> some insights </a:t>
-            </a:r>
-            <a:r>
-              <a:rPr lang="it-IT" dirty="0" err="1"/>
-              <a:t>about</a:t>
-            </a:r>
-            <a:r>
-              <a:rPr lang="it-IT" dirty="0"/>
-              <a:t> </a:t>
-            </a:r>
-            <a:r>
-              <a:rPr lang="it-IT" dirty="0" err="1"/>
-              <a:t>european</a:t>
-            </a:r>
-            <a:r>
-              <a:rPr lang="it-IT" dirty="0"/>
-              <a:t> soccer, </a:t>
-            </a:r>
-            <a:r>
-              <a:rPr lang="it-IT" dirty="0" err="1"/>
-              <a:t>we</a:t>
-            </a:r>
-            <a:r>
-              <a:rPr lang="it-IT" dirty="0"/>
-              <a:t> can </a:t>
-            </a:r>
-            <a:r>
-              <a:rPr lang="it-IT" dirty="0" err="1"/>
-              <a:t>see</a:t>
-            </a:r>
-            <a:r>
-              <a:rPr lang="it-IT" dirty="0"/>
-              <a:t> in </a:t>
-            </a:r>
-            <a:r>
-              <a:rPr lang="it-IT" dirty="0" err="1"/>
-              <a:t>this</a:t>
-            </a:r>
-            <a:r>
-              <a:rPr lang="it-IT" dirty="0"/>
-              <a:t> plot the average points per game with the respect to the preferred formation by </a:t>
-            </a:r>
-            <a:r>
-              <a:rPr lang="it-IT" dirty="0" err="1"/>
-              <a:t>each</a:t>
-            </a:r>
-            <a:r>
-              <a:rPr lang="it-IT" dirty="0"/>
-              <a:t> manager.</a:t>
-            </a:r>
+            <a:endParaRPr lang="it-IT" dirty="0"/>
           </a:p>
         </p:txBody>
       </p:sp>
@@ -3029,146 +1276,7 @@
           <a:bodyPr/>
           <a:lstStyle/>
           <a:p>
-            <a:r>
-              <a:rPr lang="it-IT" dirty="0"/>
-              <a:t>In </a:t>
-            </a:r>
-            <a:r>
-              <a:rPr lang="it-IT" dirty="0" err="1"/>
-              <a:t>this</a:t>
-            </a:r>
-            <a:r>
-              <a:rPr lang="it-IT" dirty="0"/>
-              <a:t> </a:t>
-            </a:r>
-            <a:r>
-              <a:rPr lang="it-IT" dirty="0" err="1"/>
-              <a:t>map</a:t>
-            </a:r>
-            <a:r>
-              <a:rPr lang="it-IT" dirty="0"/>
-              <a:t> </a:t>
-            </a:r>
-            <a:r>
-              <a:rPr lang="it-IT" dirty="0" err="1"/>
-              <a:t>we</a:t>
-            </a:r>
-            <a:r>
-              <a:rPr lang="it-IT" dirty="0"/>
-              <a:t> are </a:t>
-            </a:r>
-            <a:r>
-              <a:rPr lang="it-IT" dirty="0" err="1"/>
-              <a:t>presenting</a:t>
-            </a:r>
-            <a:r>
-              <a:rPr lang="it-IT" dirty="0"/>
-              <a:t> the </a:t>
-            </a:r>
-            <a:r>
-              <a:rPr lang="it-IT" dirty="0" err="1"/>
-              <a:t>count</a:t>
-            </a:r>
-            <a:r>
-              <a:rPr lang="it-IT" dirty="0"/>
-              <a:t> of </a:t>
-            </a:r>
-            <a:r>
-              <a:rPr lang="it-IT" dirty="0" err="1"/>
-              <a:t>players</a:t>
-            </a:r>
-            <a:r>
-              <a:rPr lang="it-IT" dirty="0"/>
-              <a:t> by </a:t>
-            </a:r>
-            <a:r>
-              <a:rPr lang="it-IT" dirty="0" err="1"/>
-              <a:t>their</a:t>
-            </a:r>
-            <a:r>
-              <a:rPr lang="it-IT" dirty="0"/>
-              <a:t> </a:t>
-            </a:r>
-            <a:r>
-              <a:rPr lang="it-IT" dirty="0" err="1"/>
-              <a:t>origin</a:t>
-            </a:r>
-            <a:r>
-              <a:rPr lang="it-IT" dirty="0"/>
-              <a:t>, </a:t>
-            </a:r>
-            <a:r>
-              <a:rPr lang="it-IT" dirty="0" err="1"/>
-              <a:t>we</a:t>
-            </a:r>
-            <a:r>
-              <a:rPr lang="it-IT" dirty="0"/>
-              <a:t> can </a:t>
-            </a:r>
-            <a:r>
-              <a:rPr lang="it-IT" dirty="0" err="1"/>
-              <a:t>see</a:t>
-            </a:r>
-            <a:r>
-              <a:rPr lang="it-IT" dirty="0"/>
-              <a:t> </a:t>
-            </a:r>
-            <a:r>
-              <a:rPr lang="it-IT" dirty="0" err="1"/>
-              <a:t>that</a:t>
-            </a:r>
-            <a:r>
-              <a:rPr lang="it-IT" dirty="0"/>
-              <a:t> </a:t>
-            </a:r>
-            <a:r>
-              <a:rPr lang="it-IT" dirty="0" err="1"/>
-              <a:t>most</a:t>
-            </a:r>
-            <a:r>
-              <a:rPr lang="it-IT" dirty="0"/>
-              <a:t> of the </a:t>
-            </a:r>
-            <a:r>
-              <a:rPr lang="it-IT" dirty="0" err="1"/>
-              <a:t>players</a:t>
-            </a:r>
-            <a:r>
-              <a:rPr lang="it-IT" dirty="0"/>
-              <a:t> in the 4 big </a:t>
-            </a:r>
-            <a:r>
-              <a:rPr lang="it-IT" dirty="0" err="1"/>
-              <a:t>leagues</a:t>
-            </a:r>
-            <a:r>
-              <a:rPr lang="it-IT" dirty="0"/>
-              <a:t> are from </a:t>
-            </a:r>
-            <a:r>
-              <a:rPr lang="it-IT" dirty="0" err="1"/>
-              <a:t>south</a:t>
-            </a:r>
-            <a:r>
-              <a:rPr lang="it-IT" dirty="0"/>
-              <a:t> </a:t>
-            </a:r>
-            <a:r>
-              <a:rPr lang="it-IT" dirty="0" err="1"/>
-              <a:t>america</a:t>
-            </a:r>
-            <a:r>
-              <a:rPr lang="it-IT" dirty="0"/>
-              <a:t> and </a:t>
-            </a:r>
-            <a:r>
-              <a:rPr lang="it-IT" dirty="0" err="1"/>
-              <a:t>europe</a:t>
-            </a:r>
-            <a:r>
-              <a:rPr lang="it-IT" dirty="0"/>
-              <a:t>.</a:t>
-            </a:r>
+            <a:endParaRPr lang="it-IT" dirty="0"/>
           </a:p>
         </p:txBody>
       </p:sp>
@@ -3251,215 +1359,6 @@
         <p:txBody>
           <a:bodyPr/>
           <a:lstStyle/>
-          <a:p>
-            <a:r>
-              <a:rPr lang="it-IT" dirty="0" err="1"/>
-              <a:t>This</a:t>
-            </a:r>
-            <a:r>
-              <a:rPr lang="it-IT" dirty="0"/>
-              <a:t> </a:t>
-            </a:r>
-            <a:r>
-              <a:rPr lang="it-IT" dirty="0" err="1"/>
-              <a:t>is</a:t>
-            </a:r>
-            <a:r>
-              <a:rPr lang="it-IT" dirty="0"/>
-              <a:t> the average </a:t>
-            </a:r>
-            <a:r>
-              <a:rPr lang="it-IT" dirty="0" err="1"/>
-              <a:t>height</a:t>
-            </a:r>
-            <a:r>
-              <a:rPr lang="it-IT" dirty="0"/>
-              <a:t> of the </a:t>
-            </a:r>
-            <a:r>
-              <a:rPr lang="it-IT" dirty="0" err="1"/>
-              <a:t>players</a:t>
-            </a:r>
-            <a:r>
-              <a:rPr lang="it-IT" dirty="0"/>
-              <a:t> </a:t>
-            </a:r>
-            <a:r>
-              <a:rPr lang="it-IT" dirty="0" err="1"/>
-              <a:t>grouped</a:t>
-            </a:r>
-            <a:r>
-              <a:rPr lang="it-IT" dirty="0"/>
-              <a:t> by </a:t>
-            </a:r>
-            <a:r>
-              <a:rPr lang="it-IT" dirty="0" err="1"/>
-              <a:t>their</a:t>
-            </a:r>
-            <a:r>
-              <a:rPr lang="it-IT" dirty="0"/>
-              <a:t> </a:t>
-            </a:r>
-            <a:r>
-              <a:rPr lang="it-IT" dirty="0" err="1"/>
-              <a:t>nationality</a:t>
-            </a:r>
-            <a:r>
-              <a:rPr lang="it-IT" dirty="0"/>
-              <a:t>. </a:t>
-            </a:r>
-            <a:r>
-              <a:rPr lang="it-IT" dirty="0" err="1"/>
-              <a:t>We</a:t>
-            </a:r>
-            <a:r>
-              <a:rPr lang="it-IT" dirty="0"/>
-              <a:t> can </a:t>
-            </a:r>
-            <a:r>
-              <a:rPr lang="it-IT" dirty="0" err="1"/>
-              <a:t>see</a:t>
-            </a:r>
-            <a:r>
-              <a:rPr lang="it-IT" dirty="0"/>
-              <a:t> </a:t>
-            </a:r>
-            <a:r>
-              <a:rPr lang="it-IT" dirty="0" err="1"/>
-              <a:t>that</a:t>
-            </a:r>
-            <a:r>
-              <a:rPr lang="it-IT" dirty="0"/>
-              <a:t> </a:t>
-            </a:r>
-            <a:r>
-              <a:rPr lang="it-IT" dirty="0" err="1"/>
-              <a:t>we</a:t>
-            </a:r>
-            <a:r>
-              <a:rPr lang="it-IT" dirty="0"/>
-              <a:t> are missing </a:t>
-            </a:r>
-            <a:r>
-              <a:rPr lang="it-IT" dirty="0" err="1"/>
-              <a:t>height</a:t>
-            </a:r>
-            <a:r>
-              <a:rPr lang="it-IT" dirty="0"/>
-              <a:t> </a:t>
-            </a:r>
-            <a:r>
-              <a:rPr lang="it-IT" dirty="0" err="1"/>
-              <a:t>values</a:t>
-            </a:r>
-            <a:r>
-              <a:rPr lang="it-IT" dirty="0"/>
-              <a:t> for LBR- </a:t>
-            </a:r>
-            <a:r>
-              <a:rPr lang="it-IT" dirty="0" err="1"/>
-              <a:t>which</a:t>
-            </a:r>
-            <a:r>
-              <a:rPr lang="it-IT" dirty="0"/>
-              <a:t> </a:t>
-            </a:r>
-            <a:r>
-              <a:rPr lang="it-IT" dirty="0" err="1"/>
-              <a:t>is</a:t>
-            </a:r>
-            <a:r>
-              <a:rPr lang="it-IT" dirty="0"/>
-              <a:t> </a:t>
-            </a:r>
-            <a:r>
-              <a:rPr lang="it-IT" dirty="0" err="1"/>
-              <a:t>liberia</a:t>
-            </a:r>
-            <a:r>
-              <a:rPr lang="it-IT" dirty="0"/>
-              <a:t> and JOR – </a:t>
-            </a:r>
-            <a:r>
-              <a:rPr lang="it-IT" dirty="0" err="1"/>
-              <a:t>which</a:t>
-            </a:r>
-            <a:r>
-              <a:rPr lang="it-IT" dirty="0"/>
-              <a:t> </a:t>
-            </a:r>
-            <a:r>
-              <a:rPr lang="it-IT" dirty="0" err="1"/>
-              <a:t>is</a:t>
-            </a:r>
-            <a:r>
-              <a:rPr lang="it-IT" dirty="0"/>
-              <a:t> </a:t>
-            </a:r>
-            <a:r>
-              <a:rPr lang="it-IT" dirty="0" err="1"/>
-              <a:t>jordan</a:t>
-            </a:r>
-            <a:r>
-              <a:rPr lang="it-IT" dirty="0"/>
-              <a:t>.</a:t>
-            </a:r>
-            <a:br>
-              <a:rPr lang="it-IT" dirty="0"/>
-            </a:br>
-            <a:r>
-              <a:rPr lang="it-IT" dirty="0"/>
-              <a:t>The </a:t>
-            </a:r>
-            <a:r>
-              <a:rPr lang="it-IT" dirty="0" err="1"/>
-              <a:t>talles</a:t>
-            </a:r>
-            <a:r>
-              <a:rPr lang="it-IT" dirty="0"/>
-              <a:t> country </a:t>
-            </a:r>
-            <a:r>
-              <a:rPr lang="it-IT" dirty="0" err="1"/>
-              <a:t>appears</a:t>
-            </a:r>
-            <a:r>
-              <a:rPr lang="it-IT" dirty="0"/>
-              <a:t> to GEQ – </a:t>
-            </a:r>
-            <a:r>
-              <a:rPr lang="it-IT" dirty="0" err="1"/>
-              <a:t>which</a:t>
-            </a:r>
-            <a:r>
-              <a:rPr lang="it-IT" dirty="0"/>
-              <a:t> </a:t>
-            </a:r>
-            <a:r>
-              <a:rPr lang="it-IT" dirty="0" err="1"/>
-              <a:t>is</a:t>
-            </a:r>
-            <a:r>
-              <a:rPr lang="it-IT" dirty="0"/>
-              <a:t> </a:t>
-            </a:r>
-            <a:r>
-              <a:rPr lang="it-IT" dirty="0" err="1"/>
-              <a:t>equatrial</a:t>
-            </a:r>
-            <a:r>
-              <a:rPr lang="it-IT" dirty="0"/>
-              <a:t> </a:t>
-            </a:r>
-            <a:r>
-              <a:rPr lang="it-IT" dirty="0" err="1"/>
-              <a:t>guinea</a:t>
-            </a:r>
-            <a:r>
-              <a:rPr lang="it-IT" dirty="0"/>
-              <a:t>.</a:t>
-            </a:r>
-          </a:p>
           <a:p>
             <a:endParaRPr lang="it-IT" dirty="0"/>
           </a:p>
@@ -3697,7 +1596,7 @@
           <a:p>
             <a:fld id="{0AD8B570-19D6-43E4-9EF8-AFD6173B3EEA}" type="datetimeFigureOut">
               <a:rPr lang="en-US" smtClean="0"/>
-              <a:t>4/26/2020</a:t>
+              <a:t>3/25/2021</a:t>
             </a:fld>
             <a:endParaRPr lang="en-US"/>
           </a:p>
@@ -3918,7 +1817,7 @@
           <a:p>
             <a:fld id="{0AD8B570-19D6-43E4-9EF8-AFD6173B3EEA}" type="datetimeFigureOut">
               <a:rPr lang="en-US" smtClean="0"/>
-              <a:t>4/26/2020</a:t>
+              <a:t>3/25/2021</a:t>
             </a:fld>
             <a:endParaRPr lang="en-US"/>
           </a:p>
@@ -4098,7 +1997,7 @@
           <a:p>
             <a:fld id="{0AD8B570-19D6-43E4-9EF8-AFD6173B3EEA}" type="datetimeFigureOut">
               <a:rPr lang="en-US" smtClean="0"/>
-              <a:t>4/26/2020</a:t>
+              <a:t>3/25/2021</a:t>
             </a:fld>
             <a:endParaRPr lang="en-US"/>
           </a:p>
@@ -4268,7 +2167,7 @@
           <a:p>
             <a:fld id="{0AD8B570-19D6-43E4-9EF8-AFD6173B3EEA}" type="datetimeFigureOut">
               <a:rPr lang="en-US" smtClean="0"/>
-              <a:t>4/26/2020</a:t>
+              <a:t>3/25/2021</a:t>
             </a:fld>
             <a:endParaRPr lang="en-US"/>
           </a:p>
@@ -4519,7 +2418,7 @@
           <a:p>
             <a:fld id="{0AD8B570-19D6-43E4-9EF8-AFD6173B3EEA}" type="datetimeFigureOut">
               <a:rPr lang="en-US" smtClean="0"/>
-              <a:t>4/26/2020</a:t>
+              <a:t>3/25/2021</a:t>
             </a:fld>
             <a:endParaRPr lang="en-US"/>
           </a:p>
@@ -4842,7 +2741,7 @@
           <a:p>
             <a:fld id="{0AD8B570-19D6-43E4-9EF8-AFD6173B3EEA}" type="datetimeFigureOut">
               <a:rPr lang="en-US" smtClean="0"/>
-              <a:t>4/26/2020</a:t>
+              <a:t>3/25/2021</a:t>
             </a:fld>
             <a:endParaRPr lang="en-US"/>
           </a:p>
@@ -5266,7 +3165,7 @@
           <a:p>
             <a:fld id="{0AD8B570-19D6-43E4-9EF8-AFD6173B3EEA}" type="datetimeFigureOut">
               <a:rPr lang="en-US" smtClean="0"/>
-              <a:t>4/26/2020</a:t>
+              <a:t>3/25/2021</a:t>
             </a:fld>
             <a:endParaRPr lang="en-US"/>
           </a:p>
@@ -5384,7 +3283,7 @@
           <a:p>
             <a:fld id="{0AD8B570-19D6-43E4-9EF8-AFD6173B3EEA}" type="datetimeFigureOut">
               <a:rPr lang="en-US" smtClean="0"/>
-              <a:t>4/26/2020</a:t>
+              <a:t>3/25/2021</a:t>
             </a:fld>
             <a:endParaRPr lang="en-US"/>
           </a:p>
@@ -5479,7 +3378,7 @@
           <a:p>
             <a:fld id="{0AD8B570-19D6-43E4-9EF8-AFD6173B3EEA}" type="datetimeFigureOut">
               <a:rPr lang="en-US" smtClean="0"/>
-              <a:t>4/26/2020</a:t>
+              <a:t>3/25/2021</a:t>
             </a:fld>
             <a:endParaRPr lang="en-US"/>
           </a:p>
@@ -5769,7 +3668,7 @@
           <a:p>
             <a:fld id="{0AD8B570-19D6-43E4-9EF8-AFD6173B3EEA}" type="datetimeFigureOut">
               <a:rPr lang="en-US" smtClean="0"/>
-              <a:t>4/26/2020</a:t>
+              <a:t>3/25/2021</a:t>
             </a:fld>
             <a:endParaRPr lang="en-US"/>
           </a:p>
@@ -6041,7 +3940,7 @@
           <a:p>
             <a:fld id="{0AD8B570-19D6-43E4-9EF8-AFD6173B3EEA}" type="datetimeFigureOut">
               <a:rPr lang="en-US" smtClean="0"/>
-              <a:t>4/26/2020</a:t>
+              <a:t>3/25/2021</a:t>
             </a:fld>
             <a:endParaRPr lang="en-US"/>
           </a:p>
@@ -6295,7 +4194,7 @@
           <a:p>
             <a:fld id="{0AD8B570-19D6-43E4-9EF8-AFD6173B3EEA}" type="datetimeFigureOut">
               <a:rPr lang="en-US" smtClean="0"/>
-              <a:t>4/26/2020</a:t>
+              <a:t>3/25/2021</a:t>
             </a:fld>
             <a:endParaRPr lang="en-US"/>
           </a:p>
